--- a/docs/laboratoare/prezentare/Prezentare.pptx
+++ b/docs/laboratoare/prezentare/Prezentare.pptx
@@ -21,6 +21,7 @@
     <p:sldId id="270" r:id="rId15"/>
     <p:sldId id="268" r:id="rId16"/>
     <p:sldId id="271" r:id="rId17"/>
+    <p:sldId id="272" r:id="rId18"/>
   </p:sldIdLst>
   <p:sldSz cx="9144000" cy="6858000" type="screen4x3"/>
   <p:notesSz cx="6858000" cy="9144000"/>
@@ -4376,18 +4377,7 @@
                 <a:ea typeface="+mj-ea"/>
                 <a:cs typeface="+mj-cs"/>
               </a:rPr>
-              <a:t>Iau in considerare: asprime</a:t>
-            </a:r>
-            <a:r>
-              <a:rPr lang="en-US">
-                <a:solidFill>
-                  <a:schemeClr val="tx2"/>
-                </a:solidFill>
-                <a:latin typeface="+mj-lt"/>
-                <a:ea typeface="+mj-ea"/>
-                <a:cs typeface="+mj-cs"/>
-              </a:rPr>
-              <a:t>, </a:t>
+              <a:t>Iau in considerare: asprime, </a:t>
             </a:r>
             <a:r>
               <a:rPr lang="en-US" smtClean="0">
@@ -4596,18 +4586,7 @@
                 <a:ea typeface="+mj-ea"/>
                 <a:cs typeface="+mj-cs"/>
               </a:rPr>
-              <a:t>Sigma, Tau pentru segmentare (3, </a:t>
-            </a:r>
-            <a:r>
-              <a:rPr lang="en-US">
-                <a:solidFill>
-                  <a:schemeClr val="tx2"/>
-                </a:solidFill>
-                <a:latin typeface="+mj-lt"/>
-                <a:ea typeface="+mj-ea"/>
-                <a:cs typeface="+mj-cs"/>
-              </a:rPr>
-              <a:t>5</a:t>
+              <a:t>Sigma, Tau pentru segmentare (3, 5</a:t>
             </a:r>
             <a:r>
               <a:rPr lang="en-US" smtClean="0">
@@ -4699,15 +4678,7 @@
                   <a:schemeClr val="tx2"/>
                 </a:solidFill>
               </a:rPr>
-              <a:t>Dimensiunea ferestrei din care se extrag caracteristici de </a:t>
-            </a:r>
-            <a:r>
-              <a:rPr lang="en-US">
-                <a:solidFill>
-                  <a:schemeClr val="tx2"/>
-                </a:solidFill>
-              </a:rPr>
-              <a:t>textura </a:t>
+              <a:t>Dimensiunea ferestrei din care se extrag caracteristici de textura </a:t>
             </a:r>
             <a:r>
               <a:rPr lang="en-US" smtClean="0">
@@ -5017,15 +4988,7 @@
                   <a:schemeClr val="tx2"/>
                 </a:solidFill>
               </a:rPr>
-              <a:t>TPR = TP / (TP + FN) </a:t>
-            </a:r>
-            <a:r>
-              <a:rPr lang="en-US">
-                <a:solidFill>
-                  <a:schemeClr val="tx2"/>
-                </a:solidFill>
-              </a:rPr>
-              <a:t>= </a:t>
+              <a:t>TPR = TP / (TP + FN) = </a:t>
             </a:r>
             <a:r>
               <a:rPr lang="en-US" smtClean="0">
@@ -5053,15 +5016,7 @@
                   <a:schemeClr val="tx2"/>
                 </a:solidFill>
               </a:rPr>
-              <a:t>FPR = FP / (FP + </a:t>
-            </a:r>
-            <a:r>
-              <a:rPr lang="en-US">
-                <a:solidFill>
-                  <a:schemeClr val="tx2"/>
-                </a:solidFill>
-              </a:rPr>
-              <a:t>TN</a:t>
+              <a:t>FPR = FP / (FP + TN</a:t>
             </a:r>
             <a:r>
               <a:rPr lang="en-US" smtClean="0">
@@ -5086,15 +5041,7 @@
                   <a:schemeClr val="tx2"/>
                 </a:solidFill>
               </a:rPr>
-              <a:t>Accuracy = (TP + TN) / (TP + TN + FP + </a:t>
-            </a:r>
-            <a:r>
-              <a:rPr lang="en-US">
-                <a:solidFill>
-                  <a:schemeClr val="tx2"/>
-                </a:solidFill>
-              </a:rPr>
-              <a:t>FN</a:t>
+              <a:t>Accuracy = (TP + TN) / (TP + TN + FP + FN</a:t>
             </a:r>
             <a:r>
               <a:rPr lang="en-US" smtClean="0">
@@ -5121,11 +5068,6 @@
               </a:rPr>
               <a:t>PPV = TP / (TP + FP)  = precision</a:t>
             </a:r>
-            <a:endParaRPr lang="en-US">
-              <a:solidFill>
-                <a:schemeClr val="tx2"/>
-              </a:solidFill>
-            </a:endParaRPr>
           </a:p>
         </p:txBody>
       </p:sp>
@@ -5262,11 +5204,6 @@
               </a:rPr>
               <a:t>Parametrul Threshold controleaza raportul TPR/FPR.</a:t>
             </a:r>
-            <a:endParaRPr lang="en-US" sz="2800">
-              <a:solidFill>
-                <a:schemeClr val="tx2"/>
-              </a:solidFill>
-            </a:endParaRPr>
           </a:p>
         </p:txBody>
       </p:sp>
@@ -5379,6 +5316,177 @@
 </p:sld>
 </file>
 
+<file path=ppt/slides/slide17.xml><?xml version="1.0" encoding="utf-8"?>
+<p:sld xmlns:a="http://schemas.openxmlformats.org/drawingml/2006/main" xmlns:r="http://schemas.openxmlformats.org/officeDocument/2006/relationships" xmlns:p="http://schemas.openxmlformats.org/presentationml/2006/main">
+  <p:cSld>
+    <p:spTree>
+      <p:nvGrpSpPr>
+        <p:cNvPr id="1" name=""/>
+        <p:cNvGrpSpPr/>
+        <p:nvPr/>
+      </p:nvGrpSpPr>
+      <p:grpSpPr>
+        <a:xfrm>
+          <a:off x="0" y="0"/>
+          <a:ext cx="0" cy="0"/>
+          <a:chOff x="0" y="0"/>
+          <a:chExt cx="0" cy="0"/>
+        </a:xfrm>
+      </p:grpSpPr>
+      <p:sp>
+        <p:nvSpPr>
+          <p:cNvPr id="2" name="Title 1"/>
+          <p:cNvSpPr>
+            <a:spLocks noGrp="1"/>
+          </p:cNvSpPr>
+          <p:nvPr>
+            <p:ph type="title"/>
+          </p:nvPr>
+        </p:nvSpPr>
+        <p:spPr/>
+        <p:txBody>
+          <a:bodyPr/>
+          <a:lstStyle/>
+          <a:p>
+            <a:r>
+              <a:rPr lang="en-US" smtClean="0"/>
+              <a:t>Concluzii</a:t>
+            </a:r>
+            <a:endParaRPr lang="en-US"/>
+          </a:p>
+        </p:txBody>
+      </p:sp>
+      <p:sp>
+        <p:nvSpPr>
+          <p:cNvPr id="3" name="Content Placeholder 2"/>
+          <p:cNvSpPr>
+            <a:spLocks noGrp="1"/>
+          </p:cNvSpPr>
+          <p:nvPr>
+            <p:ph idx="1"/>
+          </p:nvPr>
+        </p:nvSpPr>
+        <p:spPr/>
+        <p:txBody>
+          <a:bodyPr>
+            <a:normAutofit/>
+          </a:bodyPr>
+          <a:lstStyle/>
+          <a:p>
+            <a:r>
+              <a:rPr lang="en-US" smtClean="0">
+                <a:solidFill>
+                  <a:schemeClr val="tx2"/>
+                </a:solidFill>
+              </a:rPr>
+              <a:t>Rezultate comparabile cu cele din literatura, dar nu a atins scopul de scadere considerabila a FPR</a:t>
+            </a:r>
+          </a:p>
+          <a:p>
+            <a:endParaRPr lang="en-US" smtClean="0">
+              <a:solidFill>
+                <a:schemeClr val="tx2"/>
+              </a:solidFill>
+            </a:endParaRPr>
+          </a:p>
+          <a:p>
+            <a:r>
+              <a:rPr lang="en-US" smtClean="0">
+                <a:solidFill>
+                  <a:schemeClr val="tx2"/>
+                </a:solidFill>
+              </a:rPr>
+              <a:t>Planuri de viitor:</a:t>
+            </a:r>
+            <a:endParaRPr lang="en-US">
+              <a:solidFill>
+                <a:schemeClr val="tx2"/>
+              </a:solidFill>
+            </a:endParaRPr>
+          </a:p>
+          <a:p>
+            <a:pPr marL="109728" indent="0">
+              <a:buNone/>
+            </a:pPr>
+            <a:r>
+              <a:rPr lang="en-US" smtClean="0">
+                <a:solidFill>
+                  <a:schemeClr val="tx2"/>
+                </a:solidFill>
+              </a:rPr>
+              <a:t>- Evaluare </a:t>
+            </a:r>
+            <a:r>
+              <a:rPr lang="en-US">
+                <a:solidFill>
+                  <a:schemeClr val="tx2"/>
+                </a:solidFill>
+              </a:rPr>
+              <a:t>pe mai multe date</a:t>
+            </a:r>
+          </a:p>
+          <a:p>
+            <a:pPr marL="109728" indent="0">
+              <a:buNone/>
+            </a:pPr>
+            <a:r>
+              <a:rPr lang="en-US" smtClean="0">
+                <a:solidFill>
+                  <a:schemeClr val="tx2"/>
+                </a:solidFill>
+              </a:rPr>
+              <a:t>- Folosirea </a:t>
+            </a:r>
+            <a:r>
+              <a:rPr lang="en-US">
+                <a:solidFill>
+                  <a:schemeClr val="tx2"/>
+                </a:solidFill>
+              </a:rPr>
+              <a:t>unor dimensiuni mai mari ale imaginilor</a:t>
+            </a:r>
+          </a:p>
+          <a:p>
+            <a:pPr marL="109728" indent="0">
+              <a:buNone/>
+            </a:pPr>
+            <a:r>
+              <a:rPr lang="en-US" smtClean="0">
+                <a:solidFill>
+                  <a:schemeClr val="tx2"/>
+                </a:solidFill>
+              </a:rPr>
+              <a:t>- Implementare </a:t>
+            </a:r>
+            <a:r>
+              <a:rPr lang="en-US">
+                <a:solidFill>
+                  <a:schemeClr val="tx2"/>
+                </a:solidFill>
+              </a:rPr>
+              <a:t>mai eficienta</a:t>
+            </a:r>
+            <a:endParaRPr lang="en-US">
+              <a:solidFill>
+                <a:schemeClr val="tx2"/>
+              </a:solidFill>
+            </a:endParaRPr>
+          </a:p>
+        </p:txBody>
+      </p:sp>
+    </p:spTree>
+    <p:extLst>
+      <p:ext uri="{BB962C8B-B14F-4D97-AF65-F5344CB8AC3E}">
+        <p14:creationId xmlns:p14="http://schemas.microsoft.com/office/powerpoint/2010/main" val="3152202030"/>
+      </p:ext>
+    </p:extLst>
+  </p:cSld>
+  <p:clrMapOvr>
+    <a:masterClrMapping/>
+  </p:clrMapOvr>
+</p:sld>
+</file>
+
 <file path=ppt/slides/slide2.xml><?xml version="1.0" encoding="utf-8"?>
 <p:sld xmlns:a="http://schemas.openxmlformats.org/drawingml/2006/main" xmlns:r="http://schemas.openxmlformats.org/officeDocument/2006/relationships" xmlns:p="http://schemas.openxmlformats.org/presentationml/2006/main">
   <p:cSld>
@@ -5585,10 +5693,10 @@
                 <a:ea typeface="+mj-ea"/>
                 <a:cs typeface="+mj-cs"/>
               </a:rPr>
-              <a:t>Extragere informatii din poze sau filme </a:t>
-            </a:r>
-            <a:r>
-              <a:rPr lang="en-US">
+              <a:t>Extragere informatii din poze sau filme care </a:t>
+            </a:r>
+            <a:r>
+              <a:rPr lang="en-US" smtClean="0">
                 <a:solidFill>
                   <a:schemeClr val="tx2"/>
                 </a:solidFill>
@@ -5596,10 +5704,10 @@
                 <a:ea typeface="+mj-ea"/>
                 <a:cs typeface="+mj-cs"/>
               </a:rPr>
-              <a:t>care </a:t>
-            </a:r>
-            <a:r>
-              <a:rPr lang="en-US" smtClean="0">
+              <a:t>contin </a:t>
+            </a:r>
+            <a:r>
+              <a:rPr lang="en-US">
                 <a:solidFill>
                   <a:schemeClr val="tx2"/>
                 </a:solidFill>
@@ -5607,8 +5715,10 @@
                 <a:ea typeface="+mj-ea"/>
                 <a:cs typeface="+mj-cs"/>
               </a:rPr>
-              <a:t>contin </a:t>
-            </a:r>
+              <a:t>oameni</a:t>
+            </a:r>
+          </a:p>
+          <a:p>
             <a:r>
               <a:rPr lang="en-US">
                 <a:solidFill>
@@ -5618,31 +5728,7 @@
                 <a:ea typeface="+mj-ea"/>
                 <a:cs typeface="+mj-cs"/>
               </a:rPr>
-              <a:t>oameni</a:t>
-            </a:r>
-          </a:p>
-          <a:p>
-            <a:r>
-              <a:rPr lang="en-US">
-                <a:solidFill>
-                  <a:schemeClr val="tx2"/>
-                </a:solidFill>
-                <a:latin typeface="+mj-lt"/>
-                <a:ea typeface="+mj-ea"/>
-                <a:cs typeface="+mj-cs"/>
-              </a:rPr>
-              <a:t>Filtrarea </a:t>
-            </a:r>
-            <a:r>
-              <a:rPr lang="en-US">
-                <a:solidFill>
-                  <a:schemeClr val="tx2"/>
-                </a:solidFill>
-                <a:latin typeface="+mj-lt"/>
-                <a:ea typeface="+mj-ea"/>
-                <a:cs typeface="+mj-cs"/>
-              </a:rPr>
-              <a:t>continutului </a:t>
+              <a:t>Filtrarea continutului </a:t>
             </a:r>
             <a:r>
               <a:rPr lang="en-US" smtClean="0">
@@ -5875,18 +5961,7 @@
                 <a:ea typeface="+mj-ea"/>
                 <a:cs typeface="+mj-cs"/>
               </a:rPr>
-              <a:t>Modelul propus ia in considerare mai multe aspecte: culoare, textura, regiuni</a:t>
-            </a:r>
-            <a:r>
-              <a:rPr lang="en-US">
-                <a:solidFill>
-                  <a:schemeClr val="tx2"/>
-                </a:solidFill>
-                <a:latin typeface="+mj-lt"/>
-                <a:ea typeface="+mj-ea"/>
-                <a:cs typeface="+mj-cs"/>
-              </a:rPr>
-              <a:t>, </a:t>
+              <a:t>Modelul propus ia in considerare mai multe aspecte: culoare, textura, regiuni, </a:t>
             </a:r>
             <a:r>
               <a:rPr lang="en-US" smtClean="0">
@@ -6103,18 +6178,7 @@
                 <a:ea typeface="+mj-ea"/>
                 <a:cs typeface="+mj-cs"/>
               </a:rPr>
-              <a:t>Poate fi privită ca o problemă </a:t>
-            </a:r>
-            <a:r>
-              <a:rPr lang="ro-RO">
-                <a:solidFill>
-                  <a:schemeClr val="tx2"/>
-                </a:solidFill>
-                <a:latin typeface="+mj-lt"/>
-                <a:ea typeface="+mj-ea"/>
-                <a:cs typeface="+mj-cs"/>
-              </a:rPr>
-              <a:t>de </a:t>
+              <a:t>Poate fi privită ca o problemă de </a:t>
             </a:r>
             <a:r>
               <a:rPr lang="ro-RO" smtClean="0">
@@ -6279,18 +6343,7 @@
                 <a:ea typeface="+mj-ea"/>
                 <a:cs typeface="+mj-cs"/>
               </a:rPr>
-              <a:t>Algoritm de </a:t>
-            </a:r>
-            <a:r>
-              <a:rPr lang="en-US">
-                <a:solidFill>
-                  <a:schemeClr val="tx2"/>
-                </a:solidFill>
-                <a:latin typeface="+mj-lt"/>
-                <a:ea typeface="+mj-ea"/>
-                <a:cs typeface="+mj-cs"/>
-              </a:rPr>
-              <a:t>clusterizare </a:t>
+              <a:t>Algoritm de clusterizare </a:t>
             </a:r>
             <a:r>
               <a:rPr lang="en-US" smtClean="0">
@@ -6322,18 +6375,7 @@
                 <a:ea typeface="+mj-ea"/>
                 <a:cs typeface="+mj-cs"/>
               </a:rPr>
-              <a:t>Poate controla dimensiunea si forma regiunilor prin parametrii </a:t>
-            </a:r>
-            <a:r>
-              <a:rPr lang="en-US">
-                <a:solidFill>
-                  <a:schemeClr val="tx2"/>
-                </a:solidFill>
-                <a:latin typeface="+mj-lt"/>
-                <a:ea typeface="+mj-ea"/>
-                <a:cs typeface="+mj-cs"/>
-              </a:rPr>
-              <a:t>de </a:t>
+              <a:t>Poate controla dimensiunea si forma regiunilor prin parametrii de </a:t>
             </a:r>
             <a:r>
               <a:rPr lang="en-US" smtClean="0">
@@ -6538,14 +6580,6 @@
               </a:rPr>
               <a:t>Poza initiala</a:t>
             </a:r>
-            <a:endParaRPr lang="en-US" sz="2800">
-              <a:solidFill>
-                <a:schemeClr val="tx2"/>
-              </a:solidFill>
-              <a:latin typeface="+mj-lt"/>
-              <a:ea typeface="+mj-ea"/>
-              <a:cs typeface="+mj-cs"/>
-            </a:endParaRPr>
           </a:p>
         </p:txBody>
       </p:sp>
@@ -6582,14 +6616,6 @@
               </a:rPr>
               <a:t>Poza segmentata</a:t>
             </a:r>
-            <a:endParaRPr lang="en-US" sz="2800">
-              <a:solidFill>
-                <a:schemeClr val="tx2"/>
-              </a:solidFill>
-              <a:latin typeface="+mj-lt"/>
-              <a:ea typeface="+mj-ea"/>
-              <a:cs typeface="+mj-cs"/>
-            </a:endParaRPr>
           </a:p>
         </p:txBody>
       </p:sp>
@@ -6679,18 +6705,7 @@
                 <a:ea typeface="+mj-ea"/>
                 <a:cs typeface="+mj-cs"/>
               </a:rPr>
-              <a:t>Teorema </a:t>
-            </a:r>
-            <a:r>
-              <a:rPr lang="en-US">
-                <a:solidFill>
-                  <a:schemeClr val="tx2"/>
-                </a:solidFill>
-                <a:latin typeface="+mj-lt"/>
-                <a:ea typeface="+mj-ea"/>
-                <a:cs typeface="+mj-cs"/>
-              </a:rPr>
-              <a:t>lui </a:t>
+              <a:t>Teorema lui </a:t>
             </a:r>
             <a:r>
               <a:rPr lang="en-US" smtClean="0">
@@ -6759,18 +6774,7 @@
                 <a:ea typeface="+mj-ea"/>
                 <a:cs typeface="+mj-cs"/>
               </a:rPr>
-              <a:t>X = observarea </a:t>
-            </a:r>
-            <a:r>
-              <a:rPr lang="en-US">
-                <a:solidFill>
-                  <a:schemeClr val="tx2"/>
-                </a:solidFill>
-                <a:latin typeface="+mj-lt"/>
-                <a:ea typeface="+mj-ea"/>
-                <a:cs typeface="+mj-cs"/>
-              </a:rPr>
-              <a:t>pixelului </a:t>
+              <a:t>X = observarea pixelului </a:t>
             </a:r>
             <a:r>
               <a:rPr lang="en-US" smtClean="0">
